--- a/GROUP11.pptx
+++ b/GROUP11.pptx
@@ -5,14 +5,17 @@
     <p:sldMasterId id="2147483660" r:id="rId4"/>
   </p:sldMasterIdLst>
   <p:notesMasterIdLst>
-    <p:notesMasterId r:id="rId10"/>
+    <p:notesMasterId r:id="rId13"/>
   </p:notesMasterIdLst>
   <p:sldIdLst>
     <p:sldId id="259" r:id="rId5"/>
     <p:sldId id="298" r:id="rId6"/>
     <p:sldId id="300" r:id="rId7"/>
     <p:sldId id="299" r:id="rId8"/>
-    <p:sldId id="297" r:id="rId9"/>
+    <p:sldId id="301" r:id="rId9"/>
+    <p:sldId id="302" r:id="rId10"/>
+    <p:sldId id="303" r:id="rId11"/>
+    <p:sldId id="297" r:id="rId12"/>
   </p:sldIdLst>
   <p:sldSz cx="17338675" cy="9753600"/>
   <p:notesSz cx="6858000" cy="9144000"/>
@@ -226,7 +229,7 @@
             <a:fld id="{86680C0C-85DF-417F-8238-DB0D15743621}" type="datetimeFigureOut">
               <a:rPr lang="en-GB" smtClean="0"/>
               <a:pPr/>
-              <a:t>13/12/2019</a:t>
+              <a:t>16/12/2019</a:t>
             </a:fld>
             <a:endParaRPr lang="en-GB"/>
           </a:p>
@@ -386,7 +389,7 @@
             <a:fld id="{539A0A48-EDB1-4AFE-B1B7-10CE2A416496}" type="slidenum">
               <a:rPr lang="en-GB" smtClean="0"/>
               <a:pPr/>
-              <a:t>‹#›</a:t>
+              <a:t>‹nr.›</a:t>
             </a:fld>
             <a:endParaRPr lang="en-GB"/>
           </a:p>
@@ -832,7 +835,7 @@
             <a:fld id="{539A0A48-EDB1-4AFE-B1B7-10CE2A416496}" type="slidenum">
               <a:rPr lang="en-GB" smtClean="0"/>
               <a:pPr/>
-              <a:t>5</a:t>
+              <a:t>8</a:t>
             </a:fld>
             <a:endParaRPr lang="en-GB"/>
           </a:p>
@@ -886,7 +889,7 @@
             <a:fld id="{50464F84-246C-4657-8172-1E2969D0F603}" type="datetime1">
               <a:rPr lang="en-GB" smtClean="0"/>
               <a:pPr/>
-              <a:t>13/12/2019</a:t>
+              <a:t>16/12/2019</a:t>
             </a:fld>
             <a:endParaRPr lang="en-GB"/>
           </a:p>
@@ -929,7 +932,7 @@
             <a:fld id="{7AE184E0-0BD4-4705-A12B-9B71DDE63301}" type="slidenum">
               <a:rPr lang="en-GB" smtClean="0"/>
               <a:pPr/>
-              <a:t>‹#›</a:t>
+              <a:t>‹nr.›</a:t>
             </a:fld>
             <a:endParaRPr lang="en-GB"/>
           </a:p>
@@ -1629,7 +1632,7 @@
             <a:fld id="{7AE184E0-0BD4-4705-A12B-9B71DDE63301}" type="slidenum">
               <a:rPr lang="en-GB" noProof="0" smtClean="0"/>
               <a:pPr/>
-              <a:t>‹#›</a:t>
+              <a:t>‹nr.›</a:t>
             </a:fld>
             <a:endParaRPr lang="en-GB" noProof="0" dirty="0"/>
           </a:p>
@@ -1798,7 +1801,7 @@
             <a:fld id="{4FCCCAF6-1686-4743-9124-83F33F1A0EA9}" type="datetime1">
               <a:rPr lang="en-GB" noProof="0" smtClean="0"/>
               <a:pPr/>
-              <a:t>13/12/2019</a:t>
+              <a:t>16/12/2019</a:t>
             </a:fld>
             <a:endParaRPr lang="en-GB" noProof="0" dirty="0"/>
           </a:p>
@@ -1841,7 +1844,7 @@
             <a:fld id="{7AE184E0-0BD4-4705-A12B-9B71DDE63301}" type="slidenum">
               <a:rPr lang="en-GB" noProof="0" smtClean="0"/>
               <a:pPr/>
-              <a:t>‹#›</a:t>
+              <a:t>‹nr.›</a:t>
             </a:fld>
             <a:endParaRPr lang="en-GB" noProof="0" dirty="0"/>
           </a:p>
@@ -1918,7 +1921,7 @@
             <a:fld id="{B86ADBF0-A618-4E69-83BB-0C41E08702AA}" type="datetime1">
               <a:rPr lang="en-GB" noProof="0" smtClean="0"/>
               <a:pPr/>
-              <a:t>13/12/2019</a:t>
+              <a:t>16/12/2019</a:t>
             </a:fld>
             <a:endParaRPr lang="en-GB" noProof="0" dirty="0"/>
           </a:p>
@@ -2014,7 +2017,7 @@
             <a:fld id="{7AE184E0-0BD4-4705-A12B-9B71DDE63301}" type="slidenum">
               <a:rPr lang="en-GB" noProof="0" smtClean="0"/>
               <a:pPr/>
-              <a:t>‹#›</a:t>
+              <a:t>‹nr.›</a:t>
             </a:fld>
             <a:endParaRPr lang="en-GB" noProof="0" dirty="0"/>
           </a:p>
@@ -2179,7 +2182,7 @@
             <a:fld id="{F2443E58-CDC3-4782-B82C-4D381C795B98}" type="datetime1">
               <a:rPr lang="en-GB" noProof="0" smtClean="0"/>
               <a:pPr/>
-              <a:t>13/12/2019</a:t>
+              <a:t>16/12/2019</a:t>
             </a:fld>
             <a:endParaRPr lang="en-GB" noProof="0" dirty="0"/>
           </a:p>
@@ -2222,7 +2225,7 @@
             <a:fld id="{7AE184E0-0BD4-4705-A12B-9B71DDE63301}" type="slidenum">
               <a:rPr lang="en-GB" noProof="0" smtClean="0"/>
               <a:pPr/>
-              <a:t>‹#›</a:t>
+              <a:t>‹nr.›</a:t>
             </a:fld>
             <a:endParaRPr lang="en-GB" noProof="0" dirty="0"/>
           </a:p>
@@ -2321,7 +2324,7 @@
             <a:fld id="{3D3465D1-804F-429B-83CD-3EFA8410E123}" type="datetime1">
               <a:rPr lang="en-GB" smtClean="0"/>
               <a:pPr/>
-              <a:t>13/12/2019</a:t>
+              <a:t>16/12/2019</a:t>
             </a:fld>
             <a:endParaRPr lang="en-GB"/>
           </a:p>
@@ -2898,7 +2901,7 @@
             <a:fld id="{434BA3CA-1064-434F-B179-AB3B0298C0D6}" type="datetime1">
               <a:rPr lang="en-GB" noProof="0" smtClean="0"/>
               <a:pPr/>
-              <a:t>13/12/2019</a:t>
+              <a:t>16/12/2019</a:t>
             </a:fld>
             <a:endParaRPr lang="en-GB" noProof="0" dirty="0"/>
           </a:p>
@@ -2975,7 +2978,7 @@
             <a:fld id="{7AE184E0-0BD4-4705-A12B-9B71DDE63301}" type="slidenum">
               <a:rPr lang="en-GB" noProof="0" smtClean="0"/>
               <a:pPr/>
-              <a:t>‹#›</a:t>
+              <a:t>‹nr.›</a:t>
             </a:fld>
             <a:endParaRPr lang="en-GB" noProof="0" dirty="0"/>
           </a:p>
@@ -4373,6 +4376,602 @@
       </p:grpSpPr>
       <p:sp>
         <p:nvSpPr>
+          <p:cNvPr id="2" name="Titel 1">
+            <a:extLst>
+              <a:ext uri="{FF2B5EF4-FFF2-40B4-BE49-F238E27FC236}">
+                <a16:creationId xmlns:a16="http://schemas.microsoft.com/office/drawing/2014/main" id="{419D5EE4-56C6-4636-92AA-C4535F8D0BF9}"/>
+              </a:ext>
+            </a:extLst>
+          </p:cNvPr>
+          <p:cNvSpPr>
+            <a:spLocks noGrp="1"/>
+          </p:cNvSpPr>
+          <p:nvPr>
+            <p:ph type="title"/>
+          </p:nvPr>
+        </p:nvSpPr>
+        <p:spPr/>
+        <p:txBody>
+          <a:bodyPr/>
+          <a:lstStyle/>
+          <a:p>
+            <a:r>
+              <a:rPr lang="nl-BE" dirty="0" err="1"/>
+              <a:t>Relation</a:t>
+            </a:r>
+            <a:r>
+              <a:rPr lang="nl-BE" dirty="0"/>
+              <a:t> </a:t>
+            </a:r>
+            <a:r>
+              <a:rPr lang="nl-BE" dirty="0" err="1"/>
+              <a:t>between</a:t>
+            </a:r>
+            <a:r>
+              <a:rPr lang="nl-BE" dirty="0"/>
+              <a:t> </a:t>
+            </a:r>
+            <a:r>
+              <a:rPr lang="nl-BE" dirty="0" err="1"/>
+              <a:t>relative</a:t>
+            </a:r>
+            <a:r>
+              <a:rPr lang="nl-BE" dirty="0"/>
+              <a:t> </a:t>
+            </a:r>
+            <a:r>
+              <a:rPr lang="nl-BE" dirty="0" err="1"/>
+              <a:t>abundances</a:t>
+            </a:r>
+            <a:endParaRPr lang="nl-BE" dirty="0"/>
+          </a:p>
+        </p:txBody>
+      </p:sp>
+      <p:sp>
+        <p:nvSpPr>
+          <p:cNvPr id="4" name="Tijdelijke aanduiding voor dianummer 3">
+            <a:extLst>
+              <a:ext uri="{FF2B5EF4-FFF2-40B4-BE49-F238E27FC236}">
+                <a16:creationId xmlns:a16="http://schemas.microsoft.com/office/drawing/2014/main" id="{534EF349-B2EC-4C48-84AE-A7E81F645127}"/>
+              </a:ext>
+            </a:extLst>
+          </p:cNvPr>
+          <p:cNvSpPr>
+            <a:spLocks noGrp="1"/>
+          </p:cNvSpPr>
+          <p:nvPr>
+            <p:ph type="sldNum" sz="quarter" idx="4"/>
+          </p:nvPr>
+        </p:nvSpPr>
+        <p:spPr/>
+        <p:txBody>
+          <a:bodyPr/>
+          <a:lstStyle/>
+          <a:p>
+            <a:fld id="{7AE184E0-0BD4-4705-A12B-9B71DDE63301}" type="slidenum">
+              <a:rPr lang="en-GB" noProof="0" smtClean="0"/>
+              <a:pPr/>
+              <a:t>5</a:t>
+            </a:fld>
+            <a:endParaRPr lang="en-GB" noProof="0" dirty="0"/>
+          </a:p>
+        </p:txBody>
+      </p:sp>
+      <p:sp>
+        <p:nvSpPr>
+          <p:cNvPr id="5" name="Tijdelijke aanduiding voor inhoud 4">
+            <a:extLst>
+              <a:ext uri="{FF2B5EF4-FFF2-40B4-BE49-F238E27FC236}">
+                <a16:creationId xmlns:a16="http://schemas.microsoft.com/office/drawing/2014/main" id="{EB23B8FD-76ED-4E9D-8E94-AE34828A5CAC}"/>
+              </a:ext>
+            </a:extLst>
+          </p:cNvPr>
+          <p:cNvSpPr>
+            <a:spLocks noGrp="1"/>
+          </p:cNvSpPr>
+          <p:nvPr>
+            <p:ph idx="1"/>
+          </p:nvPr>
+        </p:nvSpPr>
+        <p:spPr>
+          <a:xfrm>
+            <a:off x="835824" y="1194363"/>
+            <a:ext cx="7346479" cy="7177127"/>
+          </a:xfrm>
+        </p:spPr>
+        <p:txBody>
+          <a:bodyPr/>
+          <a:lstStyle/>
+          <a:p>
+            <a:pPr marL="685800" indent="-685800">
+              <a:buFontTx/>
+              <a:buChar char="-"/>
+            </a:pPr>
+            <a:r>
+              <a:rPr lang="nl-BE" dirty="0" err="1"/>
+              <a:t>Use</a:t>
+            </a:r>
+            <a:r>
+              <a:rPr lang="nl-BE" dirty="0"/>
+              <a:t> </a:t>
+            </a:r>
+            <a:r>
+              <a:rPr lang="nl-BE" dirty="0" err="1"/>
+              <a:t>Spearman</a:t>
+            </a:r>
+            <a:r>
+              <a:rPr lang="nl-BE" dirty="0"/>
+              <a:t> Rho rank test</a:t>
+            </a:r>
+          </a:p>
+          <a:p>
+            <a:pPr marL="685800" indent="-685800">
+              <a:buFontTx/>
+              <a:buChar char="-"/>
+            </a:pPr>
+            <a:r>
+              <a:rPr lang="nl-BE" dirty="0"/>
+              <a:t>Take </a:t>
+            </a:r>
+            <a:r>
+              <a:rPr lang="nl-BE" dirty="0" err="1"/>
+              <a:t>into</a:t>
+            </a:r>
+            <a:r>
+              <a:rPr lang="nl-BE" dirty="0"/>
+              <a:t> account multiple </a:t>
+            </a:r>
+            <a:r>
+              <a:rPr lang="nl-BE" dirty="0" err="1"/>
+              <a:t>testing</a:t>
+            </a:r>
+            <a:r>
+              <a:rPr lang="nl-BE" dirty="0"/>
+              <a:t> </a:t>
+            </a:r>
+            <a:r>
+              <a:rPr lang="nl-BE" dirty="0" err="1"/>
+              <a:t>problem</a:t>
+            </a:r>
+            <a:endParaRPr lang="nl-BE" dirty="0"/>
+          </a:p>
+        </p:txBody>
+      </p:sp>
+      <p:pic>
+        <p:nvPicPr>
+          <p:cNvPr id="6" name="Afbeelding 5">
+            <a:extLst>
+              <a:ext uri="{FF2B5EF4-FFF2-40B4-BE49-F238E27FC236}">
+                <a16:creationId xmlns:a16="http://schemas.microsoft.com/office/drawing/2014/main" id="{15279DE6-8258-481C-8287-7737408C4EA2}"/>
+              </a:ext>
+            </a:extLst>
+          </p:cNvPr>
+          <p:cNvPicPr>
+            <a:picLocks noChangeAspect="1"/>
+          </p:cNvPicPr>
+          <p:nvPr/>
+        </p:nvPicPr>
+        <p:blipFill>
+          <a:blip r:embed="rId2">
+            <a:extLst>
+              <a:ext uri="{28A0092B-C50C-407E-A947-70E740481C1C}">
+                <a14:useLocalDpi xmlns:a14="http://schemas.microsoft.com/office/drawing/2010/main" val="0"/>
+              </a:ext>
+            </a:extLst>
+          </a:blip>
+          <a:stretch>
+            <a:fillRect/>
+          </a:stretch>
+        </p:blipFill>
+        <p:spPr>
+          <a:xfrm>
+            <a:off x="8299199" y="915106"/>
+            <a:ext cx="8817407" cy="8552886"/>
+          </a:xfrm>
+          <a:prstGeom prst="rect">
+            <a:avLst/>
+          </a:prstGeom>
+        </p:spPr>
+      </p:pic>
+    </p:spTree>
+    <p:extLst>
+      <p:ext uri="{BB962C8B-B14F-4D97-AF65-F5344CB8AC3E}">
+        <p14:creationId xmlns:p14="http://schemas.microsoft.com/office/powerpoint/2010/main" val="376096108"/>
+      </p:ext>
+    </p:extLst>
+  </p:cSld>
+  <p:clrMapOvr>
+    <a:masterClrMapping/>
+  </p:clrMapOvr>
+</p:sld>
+</file>
+
+<file path=ppt/slides/slide6.xml><?xml version="1.0" encoding="utf-8"?>
+<p:sld xmlns:a="http://schemas.openxmlformats.org/drawingml/2006/main" xmlns:r="http://schemas.openxmlformats.org/officeDocument/2006/relationships" xmlns:p="http://schemas.openxmlformats.org/presentationml/2006/main">
+  <p:cSld>
+    <p:spTree>
+      <p:nvGrpSpPr>
+        <p:cNvPr id="1" name=""/>
+        <p:cNvGrpSpPr/>
+        <p:nvPr/>
+      </p:nvGrpSpPr>
+      <p:grpSpPr>
+        <a:xfrm>
+          <a:off x="0" y="0"/>
+          <a:ext cx="0" cy="0"/>
+          <a:chOff x="0" y="0"/>
+          <a:chExt cx="0" cy="0"/>
+        </a:xfrm>
+      </p:grpSpPr>
+      <p:sp>
+        <p:nvSpPr>
+          <p:cNvPr id="2" name="Titel 1">
+            <a:extLst>
+              <a:ext uri="{FF2B5EF4-FFF2-40B4-BE49-F238E27FC236}">
+                <a16:creationId xmlns:a16="http://schemas.microsoft.com/office/drawing/2014/main" id="{7AE37FD4-A3EF-4404-841F-F0529E724B75}"/>
+              </a:ext>
+            </a:extLst>
+          </p:cNvPr>
+          <p:cNvSpPr>
+            <a:spLocks noGrp="1"/>
+          </p:cNvSpPr>
+          <p:nvPr>
+            <p:ph type="title"/>
+          </p:nvPr>
+        </p:nvSpPr>
+        <p:spPr>
+          <a:xfrm>
+            <a:off x="830118" y="136025"/>
+            <a:ext cx="16228172" cy="863693"/>
+          </a:xfrm>
+        </p:spPr>
+        <p:txBody>
+          <a:bodyPr/>
+          <a:lstStyle/>
+          <a:p>
+            <a:r>
+              <a:rPr lang="nl-BE" dirty="0" err="1"/>
+              <a:t>Holms</a:t>
+            </a:r>
+            <a:r>
+              <a:rPr lang="nl-BE" dirty="0"/>
+              <a:t> </a:t>
+            </a:r>
+            <a:r>
+              <a:rPr lang="nl-BE" dirty="0" err="1"/>
+              <a:t>bonferroni</a:t>
+            </a:r>
+            <a:r>
+              <a:rPr lang="nl-BE" dirty="0"/>
+              <a:t> </a:t>
+            </a:r>
+            <a:r>
+              <a:rPr lang="nl-BE" dirty="0" err="1"/>
+              <a:t>vs</a:t>
+            </a:r>
+            <a:r>
+              <a:rPr lang="nl-BE" dirty="0"/>
+              <a:t> </a:t>
+            </a:r>
+            <a:r>
+              <a:rPr lang="nl-BE" dirty="0" err="1"/>
+              <a:t>Benjamini</a:t>
+            </a:r>
+            <a:r>
+              <a:rPr lang="nl-BE" dirty="0"/>
+              <a:t>–</a:t>
+            </a:r>
+            <a:r>
+              <a:rPr lang="nl-BE" dirty="0" err="1"/>
+              <a:t>Yekutieli</a:t>
+            </a:r>
+            <a:endParaRPr lang="nl-BE" dirty="0"/>
+          </a:p>
+        </p:txBody>
+      </p:sp>
+      <p:pic>
+        <p:nvPicPr>
+          <p:cNvPr id="7" name="Tijdelijke aanduiding voor afbeelding 6">
+            <a:extLst>
+              <a:ext uri="{FF2B5EF4-FFF2-40B4-BE49-F238E27FC236}">
+                <a16:creationId xmlns:a16="http://schemas.microsoft.com/office/drawing/2014/main" id="{6086375A-CB7B-4518-A8F8-99CC49CEC878}"/>
+              </a:ext>
+            </a:extLst>
+          </p:cNvPr>
+          <p:cNvPicPr>
+            <a:picLocks noGrp="1" noChangeAspect="1"/>
+          </p:cNvPicPr>
+          <p:nvPr>
+            <p:ph type="pic" sz="quarter" idx="13"/>
+          </p:nvPr>
+        </p:nvPicPr>
+        <p:blipFill>
+          <a:blip r:embed="rId2">
+            <a:extLst>
+              <a:ext uri="{28A0092B-C50C-407E-A947-70E740481C1C}">
+                <a14:useLocalDpi xmlns:a14="http://schemas.microsoft.com/office/drawing/2010/main" val="0"/>
+              </a:ext>
+            </a:extLst>
+          </a:blip>
+          <a:srcRect l="2969" r="2969"/>
+          <a:stretch>
+            <a:fillRect/>
+          </a:stretch>
+        </p:blipFill>
+        <p:spPr>
+          <a:xfrm>
+            <a:off x="8816410" y="1010840"/>
+            <a:ext cx="7695990" cy="7937863"/>
+          </a:xfrm>
+        </p:spPr>
+      </p:pic>
+      <p:sp>
+        <p:nvSpPr>
+          <p:cNvPr id="4" name="Tijdelijke aanduiding voor dianummer 3">
+            <a:extLst>
+              <a:ext uri="{FF2B5EF4-FFF2-40B4-BE49-F238E27FC236}">
+                <a16:creationId xmlns:a16="http://schemas.microsoft.com/office/drawing/2014/main" id="{823F095F-116F-48F4-AC05-6FBD6AB3F26B}"/>
+              </a:ext>
+            </a:extLst>
+          </p:cNvPr>
+          <p:cNvSpPr>
+            <a:spLocks noGrp="1"/>
+          </p:cNvSpPr>
+          <p:nvPr>
+            <p:ph type="sldNum" sz="quarter" idx="4"/>
+          </p:nvPr>
+        </p:nvSpPr>
+        <p:spPr/>
+        <p:txBody>
+          <a:bodyPr/>
+          <a:lstStyle/>
+          <a:p>
+            <a:fld id="{7AE184E0-0BD4-4705-A12B-9B71DDE63301}" type="slidenum">
+              <a:rPr lang="en-GB" noProof="0" smtClean="0"/>
+              <a:pPr/>
+              <a:t>6</a:t>
+            </a:fld>
+            <a:endParaRPr lang="en-GB" noProof="0" dirty="0"/>
+          </a:p>
+        </p:txBody>
+      </p:sp>
+      <p:pic>
+        <p:nvPicPr>
+          <p:cNvPr id="9" name="Tijdelijke aanduiding voor inhoud 8">
+            <a:extLst>
+              <a:ext uri="{FF2B5EF4-FFF2-40B4-BE49-F238E27FC236}">
+                <a16:creationId xmlns:a16="http://schemas.microsoft.com/office/drawing/2014/main" id="{0BA370DB-A47C-4883-A5EC-A03AE0D19D0E}"/>
+              </a:ext>
+            </a:extLst>
+          </p:cNvPr>
+          <p:cNvPicPr>
+            <a:picLocks noGrp="1" noChangeAspect="1"/>
+          </p:cNvPicPr>
+          <p:nvPr>
+            <p:ph idx="1"/>
+          </p:nvPr>
+        </p:nvPicPr>
+        <p:blipFill>
+          <a:blip r:embed="rId3">
+            <a:extLst>
+              <a:ext uri="{28A0092B-C50C-407E-A947-70E740481C1C}">
+                <a14:useLocalDpi xmlns:a14="http://schemas.microsoft.com/office/drawing/2010/main" val="0"/>
+              </a:ext>
+            </a:extLst>
+          </a:blip>
+          <a:stretch>
+            <a:fillRect/>
+          </a:stretch>
+        </p:blipFill>
+        <p:spPr>
+          <a:xfrm>
+            <a:off x="375955" y="1467250"/>
+            <a:ext cx="7695990" cy="7465111"/>
+          </a:xfrm>
+        </p:spPr>
+      </p:pic>
+    </p:spTree>
+    <p:extLst>
+      <p:ext uri="{BB962C8B-B14F-4D97-AF65-F5344CB8AC3E}">
+        <p14:creationId xmlns:p14="http://schemas.microsoft.com/office/powerpoint/2010/main" val="2274499541"/>
+      </p:ext>
+    </p:extLst>
+  </p:cSld>
+  <p:clrMapOvr>
+    <a:masterClrMapping/>
+  </p:clrMapOvr>
+</p:sld>
+</file>
+
+<file path=ppt/slides/slide7.xml><?xml version="1.0" encoding="utf-8"?>
+<p:sld xmlns:a="http://schemas.openxmlformats.org/drawingml/2006/main" xmlns:r="http://schemas.openxmlformats.org/officeDocument/2006/relationships" xmlns:p="http://schemas.openxmlformats.org/presentationml/2006/main">
+  <p:cSld>
+    <p:spTree>
+      <p:nvGrpSpPr>
+        <p:cNvPr id="1" name=""/>
+        <p:cNvGrpSpPr/>
+        <p:nvPr/>
+      </p:nvGrpSpPr>
+      <p:grpSpPr>
+        <a:xfrm>
+          <a:off x="0" y="0"/>
+          <a:ext cx="0" cy="0"/>
+          <a:chOff x="0" y="0"/>
+          <a:chExt cx="0" cy="0"/>
+        </a:xfrm>
+      </p:grpSpPr>
+      <p:sp>
+        <p:nvSpPr>
+          <p:cNvPr id="2" name="Titel 1">
+            <a:extLst>
+              <a:ext uri="{FF2B5EF4-FFF2-40B4-BE49-F238E27FC236}">
+                <a16:creationId xmlns:a16="http://schemas.microsoft.com/office/drawing/2014/main" id="{725148F6-7547-4F9A-A951-AC725C97B391}"/>
+              </a:ext>
+            </a:extLst>
+          </p:cNvPr>
+          <p:cNvSpPr>
+            <a:spLocks noGrp="1"/>
+          </p:cNvSpPr>
+          <p:nvPr>
+            <p:ph type="title"/>
+          </p:nvPr>
+        </p:nvSpPr>
+        <p:spPr/>
+        <p:txBody>
+          <a:bodyPr/>
+          <a:lstStyle/>
+          <a:p>
+            <a:r>
+              <a:rPr lang="nl-BE" dirty="0" err="1"/>
+              <a:t>Confidence</a:t>
+            </a:r>
+            <a:r>
+              <a:rPr lang="nl-BE" dirty="0"/>
+              <a:t> </a:t>
+            </a:r>
+            <a:r>
+              <a:rPr lang="nl-BE" dirty="0" err="1"/>
+              <a:t>intervals</a:t>
+            </a:r>
+            <a:endParaRPr lang="nl-BE" dirty="0"/>
+          </a:p>
+        </p:txBody>
+      </p:sp>
+      <p:sp>
+        <p:nvSpPr>
+          <p:cNvPr id="3" name="Tijdelijke aanduiding voor afbeelding 2">
+            <a:extLst>
+              <a:ext uri="{FF2B5EF4-FFF2-40B4-BE49-F238E27FC236}">
+                <a16:creationId xmlns:a16="http://schemas.microsoft.com/office/drawing/2014/main" id="{3F4BB836-2104-42C5-B8D0-882E787E96D4}"/>
+              </a:ext>
+            </a:extLst>
+          </p:cNvPr>
+          <p:cNvSpPr>
+            <a:spLocks noGrp="1"/>
+          </p:cNvSpPr>
+          <p:nvPr>
+            <p:ph type="pic" sz="quarter" idx="13"/>
+          </p:nvPr>
+        </p:nvSpPr>
+        <p:spPr/>
+      </p:sp>
+      <p:sp>
+        <p:nvSpPr>
+          <p:cNvPr id="4" name="Tijdelijke aanduiding voor dianummer 3">
+            <a:extLst>
+              <a:ext uri="{FF2B5EF4-FFF2-40B4-BE49-F238E27FC236}">
+                <a16:creationId xmlns:a16="http://schemas.microsoft.com/office/drawing/2014/main" id="{9E385041-18E6-4F20-B848-380A9940EC74}"/>
+              </a:ext>
+            </a:extLst>
+          </p:cNvPr>
+          <p:cNvSpPr>
+            <a:spLocks noGrp="1"/>
+          </p:cNvSpPr>
+          <p:nvPr>
+            <p:ph type="sldNum" sz="quarter" idx="4"/>
+          </p:nvPr>
+        </p:nvSpPr>
+        <p:spPr/>
+        <p:txBody>
+          <a:bodyPr/>
+          <a:lstStyle/>
+          <a:p>
+            <a:fld id="{7AE184E0-0BD4-4705-A12B-9B71DDE63301}" type="slidenum">
+              <a:rPr lang="en-GB" noProof="0" smtClean="0"/>
+              <a:pPr/>
+              <a:t>7</a:t>
+            </a:fld>
+            <a:endParaRPr lang="en-GB" noProof="0" dirty="0"/>
+          </a:p>
+        </p:txBody>
+      </p:sp>
+      <p:sp>
+        <p:nvSpPr>
+          <p:cNvPr id="5" name="Tijdelijke aanduiding voor inhoud 4">
+            <a:extLst>
+              <a:ext uri="{FF2B5EF4-FFF2-40B4-BE49-F238E27FC236}">
+                <a16:creationId xmlns:a16="http://schemas.microsoft.com/office/drawing/2014/main" id="{9526F4E0-EC8C-4DC1-9396-656CBC3AC464}"/>
+              </a:ext>
+            </a:extLst>
+          </p:cNvPr>
+          <p:cNvSpPr>
+            <a:spLocks noGrp="1"/>
+          </p:cNvSpPr>
+          <p:nvPr>
+            <p:ph idx="1"/>
+          </p:nvPr>
+        </p:nvSpPr>
+        <p:spPr/>
+        <p:txBody>
+          <a:bodyPr/>
+          <a:lstStyle/>
+          <a:p>
+            <a:endParaRPr lang="nl-BE"/>
+          </a:p>
+        </p:txBody>
+      </p:sp>
+      <p:pic>
+        <p:nvPicPr>
+          <p:cNvPr id="6" name="Afbeelding 5">
+            <a:extLst>
+              <a:ext uri="{FF2B5EF4-FFF2-40B4-BE49-F238E27FC236}">
+                <a16:creationId xmlns:a16="http://schemas.microsoft.com/office/drawing/2014/main" id="{B809C4F0-5B34-4217-9435-AA062EA3DC07}"/>
+              </a:ext>
+            </a:extLst>
+          </p:cNvPr>
+          <p:cNvPicPr>
+            <a:picLocks noChangeAspect="1"/>
+          </p:cNvPicPr>
+          <p:nvPr/>
+        </p:nvPicPr>
+        <p:blipFill>
+          <a:blip r:embed="rId2"/>
+          <a:stretch>
+            <a:fillRect/>
+          </a:stretch>
+        </p:blipFill>
+        <p:spPr>
+          <a:xfrm>
+            <a:off x="6055216" y="1371918"/>
+            <a:ext cx="7723845" cy="7378794"/>
+          </a:xfrm>
+          <a:prstGeom prst="rect">
+            <a:avLst/>
+          </a:prstGeom>
+        </p:spPr>
+      </p:pic>
+    </p:spTree>
+    <p:extLst>
+      <p:ext uri="{BB962C8B-B14F-4D97-AF65-F5344CB8AC3E}">
+        <p14:creationId xmlns:p14="http://schemas.microsoft.com/office/powerpoint/2010/main" val="1139361970"/>
+      </p:ext>
+    </p:extLst>
+  </p:cSld>
+  <p:clrMapOvr>
+    <a:masterClrMapping/>
+  </p:clrMapOvr>
+</p:sld>
+</file>
+
+<file path=ppt/slides/slide8.xml><?xml version="1.0" encoding="utf-8"?>
+<p:sld xmlns:a="http://schemas.openxmlformats.org/drawingml/2006/main" xmlns:r="http://schemas.openxmlformats.org/officeDocument/2006/relationships" xmlns:p="http://schemas.openxmlformats.org/presentationml/2006/main">
+  <p:cSld>
+    <p:spTree>
+      <p:nvGrpSpPr>
+        <p:cNvPr id="1" name=""/>
+        <p:cNvGrpSpPr/>
+        <p:nvPr/>
+      </p:nvGrpSpPr>
+      <p:grpSpPr>
+        <a:xfrm>
+          <a:off x="0" y="0"/>
+          <a:ext cx="0" cy="0"/>
+          <a:chOff x="0" y="0"/>
+          <a:chExt cx="0" cy="0"/>
+        </a:xfrm>
+      </p:grpSpPr>
+      <p:sp>
+        <p:nvSpPr>
           <p:cNvPr id="3" name="Tijdelijke aanduiding voor dianummer 2"/>
           <p:cNvSpPr>
             <a:spLocks noGrp="1"/>
@@ -4389,7 +4988,7 @@
             <a:fld id="{7AE184E0-0BD4-4705-A12B-9B71DDE63301}" type="slidenum">
               <a:rPr lang="nl-BE" noProof="0" smtClean="0"/>
               <a:pPr/>
-              <a:t>5</a:t>
+              <a:t>8</a:t>
             </a:fld>
             <a:endParaRPr lang="nl-BE" noProof="0" dirty="0"/>
           </a:p>
@@ -5359,6 +5958,12 @@
 </file>
 
 <file path=customXml/item1.xml><?xml version="1.0" encoding="utf-8"?>
+<p:properties xmlns:p="http://schemas.microsoft.com/office/2006/metadata/properties" xmlns:xsi="http://www.w3.org/2001/XMLSchema-instance" xmlns:pc="http://schemas.microsoft.com/office/infopath/2007/PartnerControls">
+  <documentManagement/>
+</p:properties>
+</file>
+
+<file path=customXml/item2.xml><?xml version="1.0" encoding="utf-8"?>
 <ct:contentTypeSchema xmlns:ct="http://schemas.microsoft.com/office/2006/metadata/contentType" xmlns:ma="http://schemas.microsoft.com/office/2006/metadata/properties/metaAttributes" ct:_="" ma:_="" ma:contentTypeName="Document" ma:contentTypeID="0x0101006485FDDAC6B575409C31AC848C388A85" ma:contentTypeVersion="" ma:contentTypeDescription="Een nieuw document maken." ma:contentTypeScope="" ma:versionID="af1196157f6ce1f05c24b0f61ce6f714">
   <xsd:schema xmlns:xsd="http://www.w3.org/2001/XMLSchema" xmlns:xs="http://www.w3.org/2001/XMLSchema" xmlns:p="http://schemas.microsoft.com/office/2006/metadata/properties" targetNamespace="http://schemas.microsoft.com/office/2006/metadata/properties" ma:root="true" ma:fieldsID="ded2a6fdfcb71de048e140027f1bc31d">
     <xsd:element name="properties">
@@ -5472,12 +6077,6 @@
 </ct:contentTypeSchema>
 </file>
 
-<file path=customXml/item2.xml><?xml version="1.0" encoding="utf-8"?>
-<p:properties xmlns:p="http://schemas.microsoft.com/office/2006/metadata/properties" xmlns:xsi="http://www.w3.org/2001/XMLSchema-instance" xmlns:pc="http://schemas.microsoft.com/office/infopath/2007/PartnerControls">
-  <documentManagement/>
-</p:properties>
-</file>
-
 <file path=customXml/item3.xml><?xml version="1.0" encoding="utf-8"?>
 <?mso-contentType ?>
 <FormTemplates xmlns="http://schemas.microsoft.com/sharepoint/v3/contenttype/forms">
@@ -5488,6 +6087,21 @@
 </file>
 
 <file path=customXml/itemProps1.xml><?xml version="1.0" encoding="utf-8"?>
+<ds:datastoreItem xmlns:ds="http://schemas.openxmlformats.org/officeDocument/2006/customXml" ds:itemID="{941C8F3A-DA56-452E-B740-BA4D823E63FF}">
+  <ds:schemaRefs>
+    <ds:schemaRef ds:uri="http://purl.org/dc/terms/"/>
+    <ds:schemaRef ds:uri="http://schemas.openxmlformats.org/package/2006/metadata/core-properties"/>
+    <ds:schemaRef ds:uri="http://purl.org/dc/dcmitype/"/>
+    <ds:schemaRef ds:uri="http://schemas.microsoft.com/office/2006/documentManagement/types"/>
+    <ds:schemaRef ds:uri="http://purl.org/dc/elements/1.1/"/>
+    <ds:schemaRef ds:uri="http://schemas.microsoft.com/office/2006/metadata/properties"/>
+    <ds:schemaRef ds:uri="http://schemas.microsoft.com/office/infopath/2007/PartnerControls"/>
+    <ds:schemaRef ds:uri="http://www.w3.org/XML/1998/namespace"/>
+  </ds:schemaRefs>
+</ds:datastoreItem>
+</file>
+
+<file path=customXml/itemProps2.xml><?xml version="1.0" encoding="utf-8"?>
 <ds:datastoreItem xmlns:ds="http://schemas.openxmlformats.org/officeDocument/2006/customXml" ds:itemID="{3F7C626C-4DBF-4BFD-8F44-5E569B7DF3B6}">
   <ds:schemaRefs>
     <ds:schemaRef ds:uri="http://schemas.microsoft.com/office/2006/metadata/contentType"/>
@@ -5503,21 +6117,6 @@
 </ds:datastoreItem>
 </file>
 
-<file path=customXml/itemProps2.xml><?xml version="1.0" encoding="utf-8"?>
-<ds:datastoreItem xmlns:ds="http://schemas.openxmlformats.org/officeDocument/2006/customXml" ds:itemID="{941C8F3A-DA56-452E-B740-BA4D823E63FF}">
-  <ds:schemaRefs>
-    <ds:schemaRef ds:uri="http://purl.org/dc/terms/"/>
-    <ds:schemaRef ds:uri="http://purl.org/dc/elements/1.1/"/>
-    <ds:schemaRef ds:uri="http://purl.org/dc/dcmitype/"/>
-    <ds:schemaRef ds:uri="http://schemas.microsoft.com/office/2006/documentManagement/types"/>
-    <ds:schemaRef ds:uri="http://www.w3.org/XML/1998/namespace"/>
-    <ds:schemaRef ds:uri="http://schemas.microsoft.com/office/infopath/2007/PartnerControls"/>
-    <ds:schemaRef ds:uri="http://schemas.openxmlformats.org/package/2006/metadata/core-properties"/>
-    <ds:schemaRef ds:uri="http://schemas.microsoft.com/office/2006/metadata/properties"/>
-  </ds:schemaRefs>
-</ds:datastoreItem>
-</file>
-
 <file path=customXml/itemProps3.xml><?xml version="1.0" encoding="utf-8"?>
 <ds:datastoreItem xmlns:ds="http://schemas.openxmlformats.org/officeDocument/2006/customXml" ds:itemID="{43E9C0F6-7989-4BF0-AD09-E714261DBBD9}">
   <ds:schemaRefs>
